--- a/TEAM SLIDE.pptx
+++ b/TEAM SLIDE.pptx
@@ -107,6 +107,22 @@
       </a:defRPr>
     </a:lvl9pPr>
   </p:defaultTextStyle>
+  <p:extLst>
+    <p:ext uri="{EFAFB233-063F-42B5-8137-9DF3F51BA10A}">
+      <p15:sldGuideLst xmlns:p15="http://schemas.microsoft.com/office/powerpoint/2012/main">
+        <p15:guide id="1" orient="horz" pos="2160">
+          <p15:clr>
+            <a:srgbClr val="A4A3A4"/>
+          </p15:clr>
+        </p15:guide>
+        <p15:guide id="2" pos="2880">
+          <p15:clr>
+            <a:srgbClr val="A4A3A4"/>
+          </p15:clr>
+        </p15:guide>
+      </p15:sldGuideLst>
+    </p:ext>
+  </p:extLst>
 </p:presentation>
 </file>
 
@@ -292,7 +308,7 @@
             <a:fld id="{10074E5A-BD15-49EB-B4EE-E8467A1280FA}" type="datetimeFigureOut">
               <a:rPr lang="bg-BG" smtClean="0"/>
               <a:pPr/>
-              <a:t>24.2.2015 г.</a:t>
+              <a:t>27.2.2015 г.</a:t>
             </a:fld>
             <a:endParaRPr lang="bg-BG"/>
           </a:p>
@@ -459,7 +475,7 @@
             <a:fld id="{10074E5A-BD15-49EB-B4EE-E8467A1280FA}" type="datetimeFigureOut">
               <a:rPr lang="bg-BG" smtClean="0"/>
               <a:pPr/>
-              <a:t>24.2.2015 г.</a:t>
+              <a:t>27.2.2015 г.</a:t>
             </a:fld>
             <a:endParaRPr lang="bg-BG"/>
           </a:p>
@@ -636,7 +652,7 @@
             <a:fld id="{10074E5A-BD15-49EB-B4EE-E8467A1280FA}" type="datetimeFigureOut">
               <a:rPr lang="bg-BG" smtClean="0"/>
               <a:pPr/>
-              <a:t>24.2.2015 г.</a:t>
+              <a:t>27.2.2015 г.</a:t>
             </a:fld>
             <a:endParaRPr lang="bg-BG"/>
           </a:p>
@@ -803,7 +819,7 @@
             <a:fld id="{10074E5A-BD15-49EB-B4EE-E8467A1280FA}" type="datetimeFigureOut">
               <a:rPr lang="bg-BG" smtClean="0"/>
               <a:pPr/>
-              <a:t>24.2.2015 г.</a:t>
+              <a:t>27.2.2015 г.</a:t>
             </a:fld>
             <a:endParaRPr lang="bg-BG"/>
           </a:p>
@@ -1046,7 +1062,7 @@
             <a:fld id="{10074E5A-BD15-49EB-B4EE-E8467A1280FA}" type="datetimeFigureOut">
               <a:rPr lang="bg-BG" smtClean="0"/>
               <a:pPr/>
-              <a:t>24.2.2015 г.</a:t>
+              <a:t>27.2.2015 г.</a:t>
             </a:fld>
             <a:endParaRPr lang="bg-BG"/>
           </a:p>
@@ -1331,7 +1347,7 @@
             <a:fld id="{10074E5A-BD15-49EB-B4EE-E8467A1280FA}" type="datetimeFigureOut">
               <a:rPr lang="bg-BG" smtClean="0"/>
               <a:pPr/>
-              <a:t>24.2.2015 г.</a:t>
+              <a:t>27.2.2015 г.</a:t>
             </a:fld>
             <a:endParaRPr lang="bg-BG"/>
           </a:p>
@@ -1750,7 +1766,7 @@
             <a:fld id="{10074E5A-BD15-49EB-B4EE-E8467A1280FA}" type="datetimeFigureOut">
               <a:rPr lang="bg-BG" smtClean="0"/>
               <a:pPr/>
-              <a:t>24.2.2015 г.</a:t>
+              <a:t>27.2.2015 г.</a:t>
             </a:fld>
             <a:endParaRPr lang="bg-BG"/>
           </a:p>
@@ -1865,7 +1881,7 @@
             <a:fld id="{10074E5A-BD15-49EB-B4EE-E8467A1280FA}" type="datetimeFigureOut">
               <a:rPr lang="bg-BG" smtClean="0"/>
               <a:pPr/>
-              <a:t>24.2.2015 г.</a:t>
+              <a:t>27.2.2015 г.</a:t>
             </a:fld>
             <a:endParaRPr lang="bg-BG"/>
           </a:p>
@@ -1957,7 +1973,7 @@
             <a:fld id="{10074E5A-BD15-49EB-B4EE-E8467A1280FA}" type="datetimeFigureOut">
               <a:rPr lang="bg-BG" smtClean="0"/>
               <a:pPr/>
-              <a:t>24.2.2015 г.</a:t>
+              <a:t>27.2.2015 г.</a:t>
             </a:fld>
             <a:endParaRPr lang="bg-BG"/>
           </a:p>
@@ -2231,7 +2247,7 @@
             <a:fld id="{10074E5A-BD15-49EB-B4EE-E8467A1280FA}" type="datetimeFigureOut">
               <a:rPr lang="bg-BG" smtClean="0"/>
               <a:pPr/>
-              <a:t>24.2.2015 г.</a:t>
+              <a:t>27.2.2015 г.</a:t>
             </a:fld>
             <a:endParaRPr lang="bg-BG"/>
           </a:p>
@@ -2481,7 +2497,7 @@
             <a:fld id="{10074E5A-BD15-49EB-B4EE-E8467A1280FA}" type="datetimeFigureOut">
               <a:rPr lang="bg-BG" smtClean="0"/>
               <a:pPr/>
-              <a:t>24.2.2015 г.</a:t>
+              <a:t>27.2.2015 г.</a:t>
             </a:fld>
             <a:endParaRPr lang="bg-BG"/>
           </a:p>
@@ -2691,7 +2707,7 @@
             <a:fld id="{10074E5A-BD15-49EB-B4EE-E8467A1280FA}" type="datetimeFigureOut">
               <a:rPr lang="bg-BG" smtClean="0"/>
               <a:pPr/>
-              <a:t>24.2.2015 г.</a:t>
+              <a:t>27.2.2015 г.</a:t>
             </a:fld>
             <a:endParaRPr lang="bg-BG"/>
           </a:p>
@@ -3088,24 +3104,22 @@
         </p:nvSpPr>
         <p:spPr>
           <a:xfrm>
-            <a:off x="539552" y="404665"/>
-            <a:ext cx="7772400" cy="1368152"/>
+            <a:off x="539552" y="620689"/>
+            <a:ext cx="7772400" cy="1296144"/>
           </a:xfrm>
           <a:noFill/>
-          <a:scene3d>
-            <a:camera prst="perspectiveFront"/>
-            <a:lightRig rig="freezing" dir="t">
-              <a:rot lat="0" lon="0" rev="5640000"/>
-            </a:lightRig>
-          </a:scene3d>
-          <a:sp3d>
-            <a:bevelT prst="relaxedInset"/>
-            <a:bevelB/>
-          </a:sp3d>
+          <a:effectLst>
+            <a:glow rad="63500">
+              <a:schemeClr val="accent1">
+                <a:satMod val="175000"/>
+                <a:alpha val="40000"/>
+              </a:schemeClr>
+            </a:glow>
+          </a:effectLst>
         </p:spPr>
         <p:txBody>
           <a:bodyPr anchor="ctr" anchorCtr="0">
-            <a:normAutofit/>
+            <a:normAutofit fontScale="90000"/>
             <a:scene3d>
               <a:camera prst="orthographicFront"/>
               <a:lightRig rig="freezing" dir="t">
@@ -3124,11 +3138,17 @@
             <a:r>
               <a:rPr lang="en-US" sz="8000" dirty="0" smtClean="0">
                 <a:solidFill>
-                  <a:schemeClr val="tx1">
-                    <a:lumMod val="95000"/>
-                    <a:lumOff val="5000"/>
+                  <a:schemeClr val="bg2">
+                    <a:lumMod val="25000"/>
                   </a:schemeClr>
                 </a:solidFill>
+                <a:effectLst>
+                  <a:outerShdw blurRad="38100" dist="38100" dir="2700000" algn="tl">
+                    <a:srgbClr val="000000">
+                      <a:alpha val="43137"/>
+                    </a:srgbClr>
+                  </a:outerShdw>
+                </a:effectLst>
                 <a:latin typeface="Berlin Sans FB Demi" pitchFamily="34" charset="0"/>
               </a:rPr>
               <a:t>TEAM “</a:t>
@@ -3136,11 +3156,17 @@
             <a:r>
               <a:rPr lang="en-US" sz="8000" dirty="0" err="1" smtClean="0">
                 <a:solidFill>
-                  <a:schemeClr val="tx1">
-                    <a:lumMod val="95000"/>
-                    <a:lumOff val="5000"/>
+                  <a:schemeClr val="bg2">
+                    <a:lumMod val="25000"/>
                   </a:schemeClr>
                 </a:solidFill>
+                <a:effectLst>
+                  <a:outerShdw blurRad="38100" dist="38100" dir="2700000" algn="tl">
+                    <a:srgbClr val="000000">
+                      <a:alpha val="43137"/>
+                    </a:srgbClr>
+                  </a:outerShdw>
+                </a:effectLst>
                 <a:latin typeface="Berlin Sans FB Demi" pitchFamily="34" charset="0"/>
               </a:rPr>
               <a:t>Efreet</a:t>
@@ -3148,22 +3174,34 @@
             <a:r>
               <a:rPr lang="en-US" sz="8000" dirty="0" smtClean="0">
                 <a:solidFill>
-                  <a:schemeClr val="tx1">
-                    <a:lumMod val="95000"/>
-                    <a:lumOff val="5000"/>
+                  <a:schemeClr val="bg2">
+                    <a:lumMod val="25000"/>
                   </a:schemeClr>
                 </a:solidFill>
+                <a:effectLst>
+                  <a:outerShdw blurRad="38100" dist="38100" dir="2700000" algn="tl">
+                    <a:srgbClr val="000000">
+                      <a:alpha val="43137"/>
+                    </a:srgbClr>
+                  </a:outerShdw>
+                </a:effectLst>
                 <a:latin typeface="Berlin Sans FB Demi" pitchFamily="34" charset="0"/>
               </a:rPr>
               <a:t>”</a:t>
             </a:r>
             <a:endParaRPr lang="en-US" sz="8000" dirty="0">
               <a:solidFill>
-                <a:schemeClr val="tx1">
-                  <a:lumMod val="95000"/>
-                  <a:lumOff val="5000"/>
+                <a:schemeClr val="bg2">
+                  <a:lumMod val="25000"/>
                 </a:schemeClr>
               </a:solidFill>
+              <a:effectLst>
+                <a:outerShdw blurRad="38100" dist="38100" dir="2700000" algn="tl">
+                  <a:srgbClr val="000000">
+                    <a:alpha val="43137"/>
+                  </a:srgbClr>
+                </a:outerShdw>
+              </a:effectLst>
             </a:endParaRPr>
           </a:p>
         </p:txBody>
@@ -3264,11 +3302,17 @@
           <p:cNvGraphicFramePr>
             <a:graphicFrameLocks noGrp="1"/>
           </p:cNvGraphicFramePr>
-          <p:nvPr/>
+          <p:nvPr>
+            <p:extLst>
+              <p:ext uri="{D42A27DB-BD31-4B8C-83A1-F6EECF244321}">
+                <p14:modId xmlns:p14="http://schemas.microsoft.com/office/powerpoint/2010/main" val="876031290"/>
+              </p:ext>
+            </p:extLst>
+          </p:nvPr>
         </p:nvGraphicFramePr>
         <p:xfrm>
           <a:off x="1115616" y="2348880"/>
-          <a:ext cx="6840760" cy="3460496"/>
+          <a:ext cx="6840760" cy="3291840"/>
         </p:xfrm>
         <a:graphic>
           <a:graphicData uri="http://schemas.openxmlformats.org/drawingml/2006/table">
@@ -3287,7 +3331,7 @@
                 <a:gridCol w="3420380"/>
                 <a:gridCol w="3420380"/>
               </a:tblGrid>
-              <a:tr h="386842">
+              <a:tr h="304034">
                 <a:tc>
                   <a:txBody>
                     <a:bodyPr/>
@@ -3295,14 +3339,14 @@
                     <a:p>
                       <a:pPr algn="ctr"/>
                       <a:r>
-                        <a:rPr lang="bg-BG" dirty="0" smtClean="0">
+                        <a:rPr lang="bg-BG" b="1" dirty="0" smtClean="0">
                           <a:solidFill>
                             <a:schemeClr val="tx1"/>
                           </a:solidFill>
                         </a:rPr>
                         <a:t>Васил Сарандев</a:t>
                       </a:r>
-                      <a:endParaRPr lang="bg-BG" dirty="0">
+                      <a:endParaRPr lang="bg-BG" b="1" dirty="0">
                         <a:solidFill>
                           <a:schemeClr val="tx1"/>
                         </a:solidFill>
@@ -3378,7 +3422,7 @@
                   </a:tcPr>
                 </a:tc>
               </a:tr>
-              <a:tr h="386842">
+              <a:tr h="304034">
                 <a:tc>
                   <a:txBody>
                     <a:bodyPr/>
@@ -3402,7 +3446,7 @@
                         <a:defRPr/>
                       </a:pPr>
                       <a:r>
-                        <a:rPr lang="bg-BG" dirty="0" smtClean="0">
+                        <a:rPr lang="bg-BG" b="1" dirty="0" smtClean="0">
                           <a:solidFill>
                             <a:schemeClr val="tx1"/>
                           </a:solidFill>
@@ -3410,14 +3454,14 @@
                         <a:t>Георги</a:t>
                       </a:r>
                       <a:r>
-                        <a:rPr lang="bg-BG" baseline="0" dirty="0" smtClean="0">
+                        <a:rPr lang="bg-BG" b="1" baseline="0" dirty="0" smtClean="0">
                           <a:solidFill>
                             <a:schemeClr val="tx1"/>
                           </a:solidFill>
                         </a:rPr>
                         <a:t> Кермекчиев</a:t>
                       </a:r>
-                      <a:endParaRPr lang="bg-BG" dirty="0" smtClean="0">
+                      <a:endParaRPr lang="bg-BG" b="1" dirty="0" smtClean="0">
                         <a:solidFill>
                           <a:schemeClr val="tx1"/>
                         </a:solidFill>
@@ -3489,7 +3533,7 @@
                   </a:tcPr>
                 </a:tc>
               </a:tr>
-              <a:tr h="386842">
+              <a:tr h="304034">
                 <a:tc>
                   <a:txBody>
                     <a:bodyPr/>
@@ -3497,7 +3541,7 @@
                     <a:p>
                       <a:pPr algn="ctr"/>
                       <a:r>
-                        <a:rPr lang="bg-BG" dirty="0" smtClean="0">
+                        <a:rPr lang="bg-BG" b="1" dirty="0" smtClean="0">
                           <a:solidFill>
                             <a:schemeClr val="tx1"/>
                           </a:solidFill>
@@ -3505,14 +3549,14 @@
                         <a:t>Георги</a:t>
                       </a:r>
                       <a:r>
-                        <a:rPr lang="bg-BG" baseline="0" dirty="0" smtClean="0">
+                        <a:rPr lang="bg-BG" b="1" baseline="0" dirty="0" smtClean="0">
                           <a:solidFill>
                             <a:schemeClr val="tx1"/>
                           </a:solidFill>
                         </a:rPr>
                         <a:t> Петков</a:t>
                       </a:r>
-                      <a:endParaRPr lang="bg-BG" dirty="0">
+                      <a:endParaRPr lang="bg-BG" b="1" dirty="0">
                         <a:solidFill>
                           <a:schemeClr val="tx1"/>
                         </a:solidFill>
@@ -3584,7 +3628,7 @@
                   </a:tcPr>
                 </a:tc>
               </a:tr>
-              <a:tr h="386842">
+              <a:tr h="304034">
                 <a:tc>
                   <a:txBody>
                     <a:bodyPr/>
@@ -3608,7 +3652,7 @@
                         <a:defRPr/>
                       </a:pPr>
                       <a:r>
-                        <a:rPr lang="bg-BG" dirty="0" smtClean="0">
+                        <a:rPr lang="bg-BG" b="1" dirty="0" smtClean="0">
                           <a:solidFill>
                             <a:schemeClr val="tx1"/>
                           </a:solidFill>
@@ -3698,7 +3742,7 @@
                   </a:tcPr>
                 </a:tc>
               </a:tr>
-              <a:tr h="386842">
+              <a:tr h="304034">
                 <a:tc>
                   <a:txBody>
                     <a:bodyPr/>
@@ -3706,14 +3750,14 @@
                     <a:p>
                       <a:pPr algn="ctr"/>
                       <a:r>
-                        <a:rPr lang="bg-BG" dirty="0" smtClean="0">
+                        <a:rPr lang="bg-BG" b="1" dirty="0" smtClean="0">
                           <a:solidFill>
                             <a:schemeClr val="tx1"/>
                           </a:solidFill>
                         </a:rPr>
                         <a:t>Емил Петков</a:t>
                       </a:r>
-                      <a:endParaRPr lang="bg-BG" dirty="0">
+                      <a:endParaRPr lang="bg-BG" b="1" dirty="0">
                         <a:solidFill>
                           <a:schemeClr val="tx1"/>
                         </a:solidFill>
@@ -3785,7 +3829,7 @@
                   </a:tcPr>
                 </a:tc>
               </a:tr>
-              <a:tr h="386842">
+              <a:tr h="304034">
                 <a:tc>
                   <a:txBody>
                     <a:bodyPr/>
@@ -3809,7 +3853,7 @@
                         <a:defRPr/>
                       </a:pPr>
                       <a:r>
-                        <a:rPr lang="bg-BG" dirty="0" smtClean="0">
+                        <a:rPr lang="bg-BG" b="1" dirty="0" smtClean="0">
                           <a:solidFill>
                             <a:schemeClr val="tx1"/>
                           </a:solidFill>
@@ -3883,7 +3927,7 @@
                   </a:tcPr>
                 </a:tc>
               </a:tr>
-              <a:tr h="386842">
+              <a:tr h="304034">
                 <a:tc>
                   <a:txBody>
                     <a:bodyPr/>
@@ -3891,7 +3935,7 @@
                     <a:p>
                       <a:pPr algn="ctr"/>
                       <a:r>
-                        <a:rPr lang="bg-BG" dirty="0" smtClean="0">
+                        <a:rPr lang="bg-BG" b="1" dirty="0" smtClean="0">
                           <a:solidFill>
                             <a:schemeClr val="tx1"/>
                           </a:solidFill>
@@ -3899,14 +3943,14 @@
                         <a:t>Илиян</a:t>
                       </a:r>
                       <a:r>
-                        <a:rPr lang="bg-BG" baseline="0" dirty="0" smtClean="0">
+                        <a:rPr lang="bg-BG" b="1" baseline="0" dirty="0" smtClean="0">
                           <a:solidFill>
                             <a:schemeClr val="tx1"/>
                           </a:solidFill>
                         </a:rPr>
                         <a:t> Атков</a:t>
                       </a:r>
-                      <a:endParaRPr lang="bg-BG" dirty="0">
+                      <a:endParaRPr lang="bg-BG" b="1" dirty="0">
                         <a:solidFill>
                           <a:schemeClr val="tx1"/>
                         </a:solidFill>
@@ -3978,7 +4022,7 @@
                   </a:tcPr>
                 </a:tc>
               </a:tr>
-              <a:tr h="386842">
+              <a:tr h="304034">
                 <a:tc>
                   <a:txBody>
                     <a:bodyPr/>
@@ -3986,14 +4030,14 @@
                     <a:p>
                       <a:pPr algn="ctr"/>
                       <a:r>
-                        <a:rPr lang="bg-BG" dirty="0" smtClean="0">
+                        <a:rPr lang="bg-BG" b="1" dirty="0" smtClean="0">
                           <a:solidFill>
                             <a:schemeClr val="tx1"/>
                           </a:solidFill>
                         </a:rPr>
                         <a:t>Пламен Тодоров</a:t>
                       </a:r>
-                      <a:endParaRPr lang="bg-BG" dirty="0">
+                      <a:endParaRPr lang="bg-BG" b="1" dirty="0">
                         <a:solidFill>
                           <a:schemeClr val="tx1"/>
                         </a:solidFill>
@@ -4065,7 +4109,7 @@
                   </a:tcPr>
                 </a:tc>
               </a:tr>
-              <a:tr h="289640">
+              <a:tr h="304034">
                 <a:tc>
                   <a:txBody>
                     <a:bodyPr/>
@@ -4073,14 +4117,14 @@
                     <a:p>
                       <a:pPr algn="ctr"/>
                       <a:r>
-                        <a:rPr lang="bg-BG" dirty="0" smtClean="0">
+                        <a:rPr lang="bg-BG" b="1" dirty="0" smtClean="0">
                           <a:solidFill>
                             <a:schemeClr val="tx1"/>
                           </a:solidFill>
                         </a:rPr>
                         <a:t>Христо Славов</a:t>
                       </a:r>
-                      <a:endParaRPr lang="bg-BG" dirty="0">
+                      <a:endParaRPr lang="bg-BG" b="1" dirty="0">
                         <a:solidFill>
                           <a:schemeClr val="tx1"/>
                         </a:solidFill>
@@ -4180,8 +4224,8 @@
         </p:nvSpPr>
         <p:spPr>
           <a:xfrm>
-            <a:off x="2123728" y="1484784"/>
-            <a:ext cx="4343305" cy="954107"/>
+            <a:off x="899592" y="1772817"/>
+            <a:ext cx="7272808" cy="523220"/>
           </a:xfrm>
           <a:prstGeom prst="rect">
             <a:avLst/>
@@ -4440,7 +4484,12 @@
             <p:ph type="title"/>
           </p:nvPr>
         </p:nvSpPr>
-        <p:spPr/>
+        <p:spPr>
+          <a:xfrm>
+            <a:off x="529208" y="601216"/>
+            <a:ext cx="8229600" cy="1143000"/>
+          </a:xfrm>
+        </p:spPr>
         <p:txBody>
           <a:bodyPr>
             <a:normAutofit/>
@@ -4467,107 +4516,43 @@
             <p:ph idx="1"/>
           </p:nvPr>
         </p:nvSpPr>
-        <p:spPr/>
+        <p:spPr>
+          <a:xfrm>
+            <a:off x="1259632" y="1988840"/>
+            <a:ext cx="6768752" cy="3456384"/>
+          </a:xfrm>
+        </p:spPr>
         <p:txBody>
           <a:bodyPr/>
           <a:lstStyle/>
           <a:p>
-            <a:pPr lvl="1" algn="just">
+            <a:pPr marL="0" lvl="1" indent="0" algn="just">
               <a:buNone/>
             </a:pPr>
-            <a:r>
-              <a:rPr lang="en-US" dirty="0" smtClean="0"/>
-              <a:t>	</a:t>
-            </a:r>
             <a:r>
               <a:rPr lang="en-US" sz="2400" dirty="0" smtClean="0">
                 <a:latin typeface="Berlin Sans FB Demi" pitchFamily="34" charset="0"/>
               </a:rPr>
-              <a:t>The project is a maze based console game and</a:t>
-            </a:r>
-          </a:p>
-          <a:p>
-            <a:pPr lvl="1" algn="just">
+              <a:t>The project is a maze-based console game and the main objective of the game is to collect treasures while you try to avoid getting caught by the angry trainers</a:t>
+            </a:r>
+          </a:p>
+          <a:p>
+            <a:pPr marL="0" lvl="1" indent="0" algn="just">
+              <a:buNone/>
+            </a:pPr>
+            <a:endParaRPr lang="en-US" sz="2400" dirty="0" smtClean="0">
+              <a:latin typeface="Berlin Sans FB Demi" pitchFamily="34" charset="0"/>
+            </a:endParaRPr>
+          </a:p>
+          <a:p>
+            <a:pPr marL="0" lvl="1" indent="0" algn="just">
               <a:buNone/>
             </a:pPr>
             <a:r>
               <a:rPr lang="en-US" sz="2400" dirty="0" smtClean="0">
                 <a:latin typeface="Berlin Sans FB Demi" pitchFamily="34" charset="0"/>
               </a:rPr>
-              <a:t>the main objective of the game is to collect treasures</a:t>
-            </a:r>
-          </a:p>
-          <a:p>
-            <a:pPr lvl="1" algn="just">
-              <a:buNone/>
-            </a:pPr>
-            <a:r>
-              <a:rPr lang="en-US" sz="2400" dirty="0" smtClean="0">
-                <a:latin typeface="Berlin Sans FB Demi" pitchFamily="34" charset="0"/>
-              </a:rPr>
-              <a:t>while you try to avoid getting caught by the angry</a:t>
-            </a:r>
-          </a:p>
-          <a:p>
-            <a:pPr lvl="1" algn="just">
-              <a:buNone/>
-            </a:pPr>
-            <a:r>
-              <a:rPr lang="en-US" sz="2400" dirty="0" smtClean="0">
-                <a:latin typeface="Berlin Sans FB Demi" pitchFamily="34" charset="0"/>
-              </a:rPr>
-              <a:t>trainers.</a:t>
-            </a:r>
-          </a:p>
-          <a:p>
-            <a:pPr lvl="1" algn="just">
-              <a:buNone/>
-            </a:pPr>
-            <a:r>
-              <a:rPr lang="en-US" sz="2400" dirty="0" smtClean="0">
-                <a:latin typeface="Berlin Sans FB Demi" pitchFamily="34" charset="0"/>
-              </a:rPr>
-              <a:t>	Every time you collect a treasure it spawns a new</a:t>
-            </a:r>
-          </a:p>
-          <a:p>
-            <a:pPr lvl="1" algn="just">
-              <a:buNone/>
-            </a:pPr>
-            <a:r>
-              <a:rPr lang="en-US" sz="2400" dirty="0" smtClean="0">
-                <a:latin typeface="Berlin Sans FB Demi" pitchFamily="34" charset="0"/>
-              </a:rPr>
-              <a:t>one on a random location </a:t>
-            </a:r>
-            <a:r>
-              <a:rPr lang="en-US" sz="2400" dirty="0" smtClean="0">
-                <a:latin typeface="Berlin Sans FB Demi" pitchFamily="34" charset="0"/>
-              </a:rPr>
-              <a:t>across </a:t>
-            </a:r>
-            <a:r>
-              <a:rPr lang="en-US" sz="2400" dirty="0" smtClean="0">
-                <a:latin typeface="Berlin Sans FB Demi" pitchFamily="34" charset="0"/>
-              </a:rPr>
-              <a:t>the maze and when </a:t>
-            </a:r>
-          </a:p>
-          <a:p>
-            <a:pPr lvl="1" algn="just">
-              <a:buNone/>
-            </a:pPr>
-            <a:r>
-              <a:rPr lang="en-US" sz="2400" dirty="0" smtClean="0">
-                <a:latin typeface="Berlin Sans FB Demi" pitchFamily="34" charset="0"/>
-              </a:rPr>
-              <a:t>you collect  </a:t>
-            </a:r>
-            <a:r>
-              <a:rPr lang="en-US" sz="2400" dirty="0" smtClean="0">
-                <a:latin typeface="Berlin Sans FB Demi" pitchFamily="34" charset="0"/>
-              </a:rPr>
-              <a:t>5 treasures, a BOSS FIGHT begins!</a:t>
+              <a:t>Every time you collect a treasure it spawns a new one on a random location across the maze</a:t>
             </a:r>
             <a:endParaRPr lang="bg-BG" sz="2400" dirty="0"/>
           </a:p>
@@ -4632,7 +4617,12 @@
             <p:ph type="title"/>
           </p:nvPr>
         </p:nvSpPr>
-        <p:spPr/>
+        <p:spPr>
+          <a:xfrm>
+            <a:off x="467544" y="620688"/>
+            <a:ext cx="8229600" cy="1143000"/>
+          </a:xfrm>
+        </p:spPr>
         <p:txBody>
           <a:bodyPr/>
           <a:lstStyle/>
@@ -4657,30 +4647,76 @@
             <p:ph idx="1"/>
           </p:nvPr>
         </p:nvSpPr>
-        <p:spPr/>
+        <p:spPr>
+          <a:xfrm>
+            <a:off x="539552" y="1582544"/>
+            <a:ext cx="7848872" cy="4525963"/>
+          </a:xfrm>
+        </p:spPr>
         <p:txBody>
           <a:bodyPr/>
           <a:lstStyle/>
           <a:p>
             <a:pPr lvl="1">
-              <a:buFont typeface="Wingdings" pitchFamily="2" charset="2"/>
-              <a:buChar char="Ø"/>
+              <a:buFont typeface="Arial" panose="020B0604020202020204" pitchFamily="34" charset="0"/>
+              <a:buChar char="•"/>
             </a:pPr>
-            <a:r>
-              <a:rPr lang="en-US" dirty="0" smtClean="0"/>
-              <a:t>	</a:t>
-            </a:r>
             <a:r>
               <a:rPr lang="en-US" sz="2400" dirty="0" smtClean="0">
                 <a:latin typeface="Berlin Sans FB Demi" pitchFamily="34" charset="0"/>
               </a:rPr>
-              <a:t>There are three mazes with different </a:t>
-            </a:r>
+              <a:t>More than 20 methods </a:t>
+            </a:r>
+          </a:p>
+          <a:p>
+            <a:pPr lvl="1">
+              <a:buFont typeface="Arial" panose="020B0604020202020204" pitchFamily="34" charset="0"/>
+              <a:buChar char="•"/>
+            </a:pPr>
             <a:r>
               <a:rPr lang="en-US" sz="2400" dirty="0" smtClean="0">
                 <a:latin typeface="Berlin Sans FB Demi" pitchFamily="34" charset="0"/>
               </a:rPr>
-              <a:t>sizes</a:t>
+              <a:t>Three </a:t>
+            </a:r>
+            <a:r>
+              <a:rPr lang="en-US" sz="2400" dirty="0" smtClean="0">
+                <a:latin typeface="Berlin Sans FB Demi" pitchFamily="34" charset="0"/>
+              </a:rPr>
+              <a:t>mazes with different sizes and ASCII </a:t>
+            </a:r>
+            <a:r>
+              <a:rPr lang="en-US" sz="2400" dirty="0">
+                <a:latin typeface="Berlin Sans FB Demi" pitchFamily="34" charset="0"/>
+              </a:rPr>
+              <a:t>Art Intro and End </a:t>
+            </a:r>
+            <a:r>
+              <a:rPr lang="en-US" sz="2400" dirty="0" smtClean="0">
+                <a:latin typeface="Berlin Sans FB Demi" pitchFamily="34" charset="0"/>
+              </a:rPr>
+              <a:t>screens – external .TXT</a:t>
+            </a:r>
+            <a:endParaRPr lang="en-US" sz="2400" dirty="0">
+              <a:latin typeface="Berlin Sans FB Demi" pitchFamily="34" charset="0"/>
+            </a:endParaRPr>
+          </a:p>
+          <a:p>
+            <a:pPr lvl="1">
+              <a:buFont typeface="Arial" panose="020B0604020202020204" pitchFamily="34" charset="0"/>
+              <a:buChar char="•"/>
+            </a:pPr>
+            <a:r>
+              <a:rPr lang="en-US" sz="2400" dirty="0" smtClean="0">
+                <a:latin typeface="Berlin Sans FB Demi" pitchFamily="34" charset="0"/>
+              </a:rPr>
+              <a:t>The nasty Trainers are changing direction every time they reach a </a:t>
+            </a:r>
+            <a:r>
+              <a:rPr lang="en-US" sz="2400" dirty="0" smtClean="0">
+                <a:latin typeface="Berlin Sans FB Demi" pitchFamily="34" charset="0"/>
+              </a:rPr>
+              <a:t>wall – collision detection</a:t>
             </a:r>
             <a:endParaRPr lang="en-US" sz="2400" dirty="0" smtClean="0">
               <a:latin typeface="Berlin Sans FB Demi" pitchFamily="34" charset="0"/>
@@ -4688,170 +4724,56 @@
           </a:p>
           <a:p>
             <a:pPr lvl="1">
-              <a:buFont typeface="Wingdings" pitchFamily="2" charset="2"/>
-              <a:buChar char="Ø"/>
+              <a:buFont typeface="Arial" panose="020B0604020202020204" pitchFamily="34" charset="0"/>
+              <a:buChar char="•"/>
             </a:pPr>
             <a:r>
               <a:rPr lang="en-US" sz="2400" dirty="0" smtClean="0">
                 <a:latin typeface="Berlin Sans FB Demi" pitchFamily="34" charset="0"/>
               </a:rPr>
-              <a:t>	The bots are changing direction every time </a:t>
-            </a:r>
+              <a:t>The player has three lives and every time he meets a Trainer he must begin from starting position</a:t>
+            </a:r>
+          </a:p>
+          <a:p>
+            <a:pPr lvl="1">
+              <a:buFont typeface="Arial" panose="020B0604020202020204" pitchFamily="34" charset="0"/>
+              <a:buChar char="•"/>
+            </a:pPr>
             <a:r>
               <a:rPr lang="en-US" sz="2400" dirty="0" smtClean="0">
                 <a:latin typeface="Berlin Sans FB Demi" pitchFamily="34" charset="0"/>
               </a:rPr>
-              <a:t>they</a:t>
-            </a:r>
-          </a:p>
-          <a:p>
-            <a:pPr lvl="1">
-              <a:buNone/>
-            </a:pPr>
+              <a:t>Audio support for key events – Intro, End, Treasure </a:t>
+            </a:r>
             <a:r>
               <a:rPr lang="en-US" sz="2400" dirty="0" smtClean="0">
                 <a:latin typeface="Berlin Sans FB Demi" pitchFamily="34" charset="0"/>
               </a:rPr>
-              <a:t> </a:t>
+              <a:t>collection and for </a:t>
             </a:r>
             <a:r>
               <a:rPr lang="en-US" sz="2400" dirty="0" smtClean="0">
                 <a:latin typeface="Berlin Sans FB Demi" pitchFamily="34" charset="0"/>
               </a:rPr>
-              <a:t>      </a:t>
+              <a:t>… being </a:t>
             </a:r>
             <a:r>
               <a:rPr lang="en-US" sz="2400" dirty="0" smtClean="0">
                 <a:latin typeface="Berlin Sans FB Demi" pitchFamily="34" charset="0"/>
               </a:rPr>
-              <a:t>hit </a:t>
+              <a:t>caught </a:t>
+            </a:r>
+            <a:r>
+              <a:rPr lang="en-US" sz="2400" dirty="0">
+                <a:latin typeface="Berlin Sans FB Demi" pitchFamily="34" charset="0"/>
+              </a:rPr>
+              <a:t>by </a:t>
             </a:r>
             <a:r>
               <a:rPr lang="en-US" sz="2400" dirty="0" smtClean="0">
                 <a:latin typeface="Berlin Sans FB Demi" pitchFamily="34" charset="0"/>
               </a:rPr>
-              <a:t>an obstacle or another bot</a:t>
-            </a:r>
-            <a:r>
-              <a:rPr lang="en-US" sz="2400" dirty="0" smtClean="0">
-                <a:latin typeface="Berlin Sans FB Demi" pitchFamily="34" charset="0"/>
-              </a:rPr>
-              <a:t>.</a:t>
-            </a:r>
-            <a:endParaRPr lang="en-US" sz="2400" dirty="0" smtClean="0">
-              <a:latin typeface="Berlin Sans FB Demi" pitchFamily="34" charset="0"/>
-            </a:endParaRPr>
-          </a:p>
-          <a:p>
-            <a:pPr lvl="1">
-              <a:buFont typeface="Wingdings" pitchFamily="2" charset="2"/>
-              <a:buChar char="Ø"/>
-            </a:pPr>
-            <a:r>
-              <a:rPr lang="en-US" sz="2400" dirty="0" smtClean="0">
-                <a:latin typeface="Berlin Sans FB Demi" pitchFamily="34" charset="0"/>
-              </a:rPr>
-              <a:t>	The player has three lives and every time he hits</a:t>
-            </a:r>
-          </a:p>
-          <a:p>
-            <a:pPr lvl="1">
-              <a:buNone/>
-            </a:pPr>
-            <a:r>
-              <a:rPr lang="en-US" sz="2400" dirty="0" smtClean="0">
-                <a:latin typeface="Berlin Sans FB Demi" pitchFamily="34" charset="0"/>
-              </a:rPr>
-              <a:t>       a </a:t>
-            </a:r>
-            <a:r>
-              <a:rPr lang="en-US" sz="2400" dirty="0" err="1" smtClean="0">
-                <a:latin typeface="Berlin Sans FB Demi" pitchFamily="34" charset="0"/>
-              </a:rPr>
-              <a:t>bot</a:t>
-            </a:r>
-            <a:r>
-              <a:rPr lang="en-US" sz="2400" dirty="0" smtClean="0">
-                <a:latin typeface="Berlin Sans FB Demi" pitchFamily="34" charset="0"/>
-              </a:rPr>
-              <a:t> </a:t>
-            </a:r>
-            <a:r>
-              <a:rPr lang="en-US" sz="2400" dirty="0" smtClean="0">
-                <a:latin typeface="Berlin Sans FB Demi" pitchFamily="34" charset="0"/>
-              </a:rPr>
-              <a:t>he must begin from starting position</a:t>
-            </a:r>
-            <a:r>
-              <a:rPr lang="en-US" sz="2400" dirty="0" smtClean="0">
-                <a:latin typeface="Berlin Sans FB Demi" pitchFamily="34" charset="0"/>
-              </a:rPr>
-              <a:t>.</a:t>
-            </a:r>
-          </a:p>
-          <a:p>
-            <a:pPr lvl="1">
-              <a:buFont typeface="Wingdings" pitchFamily="2" charset="2"/>
-              <a:buChar char="Ø"/>
-            </a:pPr>
-            <a:r>
-              <a:rPr lang="en-US" sz="2400" dirty="0" smtClean="0">
-                <a:latin typeface="Berlin Sans FB Demi" pitchFamily="34" charset="0"/>
-              </a:rPr>
-              <a:t>	</a:t>
-            </a:r>
-            <a:r>
-              <a:rPr lang="en-US" sz="2400" dirty="0" smtClean="0">
-                <a:latin typeface="Berlin Sans FB Demi" pitchFamily="34" charset="0"/>
-              </a:rPr>
-              <a:t>There are ASCII Art intro screen – one at the start</a:t>
-            </a:r>
-          </a:p>
-          <a:p>
-            <a:pPr lvl="1">
-              <a:buNone/>
-            </a:pPr>
-            <a:r>
-              <a:rPr lang="en-US" sz="2400" dirty="0" smtClean="0">
-                <a:latin typeface="Berlin Sans FB Demi" pitchFamily="34" charset="0"/>
-              </a:rPr>
-              <a:t>      o</a:t>
-            </a:r>
-            <a:r>
-              <a:rPr lang="en-US" sz="2400" dirty="0" smtClean="0">
-                <a:latin typeface="Berlin Sans FB Demi" pitchFamily="34" charset="0"/>
-              </a:rPr>
-              <a:t>f the game and one at the boss fight.</a:t>
-            </a:r>
-          </a:p>
-          <a:p>
-            <a:pPr lvl="1">
-              <a:buFont typeface="Wingdings" pitchFamily="2" charset="2"/>
-              <a:buChar char="Ø"/>
-            </a:pPr>
-            <a:r>
-              <a:rPr lang="en-US" sz="2400" dirty="0" smtClean="0">
-                <a:latin typeface="Berlin Sans FB Demi" pitchFamily="34" charset="0"/>
-              </a:rPr>
-              <a:t>	</a:t>
-            </a:r>
-            <a:r>
-              <a:rPr lang="en-US" sz="2400" dirty="0" smtClean="0">
-                <a:latin typeface="Berlin Sans FB Demi" pitchFamily="34" charset="0"/>
-              </a:rPr>
-              <a:t>Also there are originally designed audio samples and sounds </a:t>
-            </a:r>
-            <a:r>
-              <a:rPr lang="en-US" sz="2400" dirty="0" smtClean="0">
-                <a:latin typeface="Berlin Sans FB Demi" pitchFamily="34" charset="0"/>
-              </a:rPr>
-              <a:t>collection of good and strike with </a:t>
-            </a:r>
-            <a:r>
-              <a:rPr lang="en-US" sz="2400" dirty="0" err="1" smtClean="0">
-                <a:latin typeface="Berlin Sans FB Demi" pitchFamily="34" charset="0"/>
-              </a:rPr>
-              <a:t>bot</a:t>
+              <a:t>Trainer</a:t>
             </a:r>
             <a:endParaRPr lang="bg-BG" sz="2400" dirty="0"/>
           </a:p>
@@ -4916,7 +4838,12 @@
             <p:ph type="title"/>
           </p:nvPr>
         </p:nvSpPr>
-        <p:spPr/>
+        <p:spPr>
+          <a:xfrm>
+            <a:off x="493204" y="692696"/>
+            <a:ext cx="8229600" cy="1143000"/>
+          </a:xfrm>
+        </p:spPr>
         <p:txBody>
           <a:bodyPr/>
           <a:lstStyle/>
@@ -4925,7 +4852,13 @@
               <a:rPr lang="en-US" dirty="0" smtClean="0">
                 <a:latin typeface="Berlin Sans FB Demi" pitchFamily="34" charset="0"/>
               </a:rPr>
-              <a:t>Other ideas</a:t>
+              <a:t>Other ideas / </a:t>
+            </a:r>
+            <a:r>
+              <a:rPr lang="en-US" dirty="0" err="1" smtClean="0">
+                <a:latin typeface="Berlin Sans FB Demi" pitchFamily="34" charset="0"/>
+              </a:rPr>
+              <a:t>ToDos</a:t>
             </a:r>
             <a:endParaRPr lang="bg-BG" dirty="0"/>
           </a:p>
@@ -4941,7 +4874,12 @@
             <p:ph idx="1"/>
           </p:nvPr>
         </p:nvSpPr>
-        <p:spPr/>
+        <p:spPr>
+          <a:xfrm>
+            <a:off x="1187624" y="1691680"/>
+            <a:ext cx="6840760" cy="4065315"/>
+          </a:xfrm>
+        </p:spPr>
         <p:txBody>
           <a:bodyPr/>
           <a:lstStyle/>
@@ -4950,20 +4888,120 @@
               <a:rPr lang="en-US" sz="2400" dirty="0" smtClean="0">
                 <a:latin typeface="Berlin Sans FB Demi" pitchFamily="34" charset="0"/>
               </a:rPr>
-              <a:t> A possible alternative is using </a:t>
-            </a:r>
-            <a:r>
-              <a:rPr lang="en-US" sz="2400" dirty="0" err="1" smtClean="0">
+              <a:t>Implementation </a:t>
+            </a:r>
+            <a:r>
+              <a:rPr lang="en-US" sz="2400" dirty="0">
+                <a:latin typeface="Berlin Sans FB Demi" pitchFamily="34" charset="0"/>
+              </a:rPr>
+              <a:t>of </a:t>
+            </a:r>
+            <a:r>
+              <a:rPr lang="en-US" sz="2400" dirty="0" err="1">
                 <a:latin typeface="Berlin Sans FB Demi" pitchFamily="34" charset="0"/>
               </a:rPr>
               <a:t>Dijkstra's</a:t>
             </a:r>
             <a:r>
+              <a:rPr lang="en-US" sz="2400" dirty="0">
+                <a:latin typeface="Berlin Sans FB Demi" pitchFamily="34" charset="0"/>
+              </a:rPr>
+              <a:t> </a:t>
+            </a:r>
+            <a:r>
               <a:rPr lang="en-US" sz="2400" dirty="0" smtClean="0">
                 <a:latin typeface="Berlin Sans FB Demi" pitchFamily="34" charset="0"/>
               </a:rPr>
-              <a:t> algorithm on the bots to find the shortest way to reach the player</a:t>
-            </a:r>
+              <a:t>algorithm on the bots to find the shortest way to reach the player – this will look like chasing game</a:t>
+            </a:r>
+          </a:p>
+          <a:p>
+            <a:endParaRPr lang="en-US" sz="2400" dirty="0">
+              <a:latin typeface="Berlin Sans FB Demi" pitchFamily="34" charset="0"/>
+            </a:endParaRPr>
+          </a:p>
+          <a:p>
+            <a:pPr marL="342900" lvl="1" indent="-342900">
+              <a:buFont typeface="Arial" pitchFamily="34" charset="0"/>
+              <a:buChar char="•"/>
+            </a:pPr>
+            <a:r>
+              <a:rPr lang="en-US" sz="2400" dirty="0">
+                <a:latin typeface="Berlin Sans FB Demi" pitchFamily="34" charset="0"/>
+              </a:rPr>
+              <a:t>Implementation of BOSS FIGHT, e.g. at every 5 </a:t>
+            </a:r>
+            <a:r>
+              <a:rPr lang="en-US" sz="2400" dirty="0" smtClean="0">
+                <a:latin typeface="Berlin Sans FB Demi" pitchFamily="34" charset="0"/>
+              </a:rPr>
+              <a:t>treasures:</a:t>
+            </a:r>
+          </a:p>
+          <a:p>
+            <a:pPr marL="742950" lvl="2" indent="-342900"/>
+            <a:r>
+              <a:rPr lang="en-US" dirty="0" smtClean="0">
+                <a:latin typeface="Berlin Sans FB Demi" pitchFamily="34" charset="0"/>
+              </a:rPr>
+              <a:t>extra </a:t>
+            </a:r>
+            <a:r>
+              <a:rPr lang="en-US" dirty="0">
+                <a:latin typeface="Berlin Sans FB Demi" pitchFamily="34" charset="0"/>
+              </a:rPr>
+              <a:t>bots </a:t>
+            </a:r>
+            <a:r>
+              <a:rPr lang="en-US" dirty="0" smtClean="0">
+                <a:latin typeface="Berlin Sans FB Demi" pitchFamily="34" charset="0"/>
+              </a:rPr>
+              <a:t>appear</a:t>
+            </a:r>
+          </a:p>
+          <a:p>
+            <a:pPr marL="742950" lvl="2" indent="-342900"/>
+            <a:r>
+              <a:rPr lang="en-US" dirty="0">
+                <a:latin typeface="Berlin Sans FB Demi" pitchFamily="34" charset="0"/>
+              </a:rPr>
+              <a:t>and / or </a:t>
+            </a:r>
+            <a:r>
+              <a:rPr lang="en-US" dirty="0" smtClean="0">
+                <a:latin typeface="Berlin Sans FB Demi" pitchFamily="34" charset="0"/>
+              </a:rPr>
+              <a:t>speed increases </a:t>
+            </a:r>
+          </a:p>
+          <a:p>
+            <a:pPr marL="742950" lvl="2" indent="-342900"/>
+            <a:r>
+              <a:rPr lang="en-US" dirty="0" smtClean="0">
+                <a:latin typeface="Berlin Sans FB Demi" pitchFamily="34" charset="0"/>
+              </a:rPr>
+              <a:t>and / or </a:t>
+            </a:r>
+            <a:r>
+              <a:rPr lang="en-US" dirty="0" err="1" smtClean="0">
+                <a:latin typeface="Berlin Sans FB Demi" pitchFamily="34" charset="0"/>
+              </a:rPr>
+              <a:t>Dijkstra</a:t>
+            </a:r>
+            <a:r>
+              <a:rPr lang="en-US" dirty="0" smtClean="0">
+                <a:latin typeface="Berlin Sans FB Demi" pitchFamily="34" charset="0"/>
+              </a:rPr>
+              <a:t> chasing starts</a:t>
+            </a:r>
+            <a:endParaRPr lang="en-US" dirty="0">
+              <a:latin typeface="Berlin Sans FB Demi" pitchFamily="34" charset="0"/>
+            </a:endParaRPr>
+          </a:p>
+          <a:p>
+            <a:endParaRPr lang="en-US" sz="2400" dirty="0">
+              <a:latin typeface="Berlin Sans FB Demi" pitchFamily="34" charset="0"/>
+            </a:endParaRPr>
           </a:p>
           <a:p>
             <a:endParaRPr lang="en-US" dirty="0" smtClean="0"/>

--- a/TEAM SLIDE.pptx
+++ b/TEAM SLIDE.pptx
@@ -308,7 +308,7 @@
             <a:fld id="{10074E5A-BD15-49EB-B4EE-E8467A1280FA}" type="datetimeFigureOut">
               <a:rPr lang="bg-BG" smtClean="0"/>
               <a:pPr/>
-              <a:t>27.2.2015 г.</a:t>
+              <a:t>1.3.2015 г.</a:t>
             </a:fld>
             <a:endParaRPr lang="bg-BG"/>
           </a:p>
@@ -475,7 +475,7 @@
             <a:fld id="{10074E5A-BD15-49EB-B4EE-E8467A1280FA}" type="datetimeFigureOut">
               <a:rPr lang="bg-BG" smtClean="0"/>
               <a:pPr/>
-              <a:t>27.2.2015 г.</a:t>
+              <a:t>1.3.2015 г.</a:t>
             </a:fld>
             <a:endParaRPr lang="bg-BG"/>
           </a:p>
@@ -652,7 +652,7 @@
             <a:fld id="{10074E5A-BD15-49EB-B4EE-E8467A1280FA}" type="datetimeFigureOut">
               <a:rPr lang="bg-BG" smtClean="0"/>
               <a:pPr/>
-              <a:t>27.2.2015 г.</a:t>
+              <a:t>1.3.2015 г.</a:t>
             </a:fld>
             <a:endParaRPr lang="bg-BG"/>
           </a:p>
@@ -819,7 +819,7 @@
             <a:fld id="{10074E5A-BD15-49EB-B4EE-E8467A1280FA}" type="datetimeFigureOut">
               <a:rPr lang="bg-BG" smtClean="0"/>
               <a:pPr/>
-              <a:t>27.2.2015 г.</a:t>
+              <a:t>1.3.2015 г.</a:t>
             </a:fld>
             <a:endParaRPr lang="bg-BG"/>
           </a:p>
@@ -1062,7 +1062,7 @@
             <a:fld id="{10074E5A-BD15-49EB-B4EE-E8467A1280FA}" type="datetimeFigureOut">
               <a:rPr lang="bg-BG" smtClean="0"/>
               <a:pPr/>
-              <a:t>27.2.2015 г.</a:t>
+              <a:t>1.3.2015 г.</a:t>
             </a:fld>
             <a:endParaRPr lang="bg-BG"/>
           </a:p>
@@ -1347,7 +1347,7 @@
             <a:fld id="{10074E5A-BD15-49EB-B4EE-E8467A1280FA}" type="datetimeFigureOut">
               <a:rPr lang="bg-BG" smtClean="0"/>
               <a:pPr/>
-              <a:t>27.2.2015 г.</a:t>
+              <a:t>1.3.2015 г.</a:t>
             </a:fld>
             <a:endParaRPr lang="bg-BG"/>
           </a:p>
@@ -1766,7 +1766,7 @@
             <a:fld id="{10074E5A-BD15-49EB-B4EE-E8467A1280FA}" type="datetimeFigureOut">
               <a:rPr lang="bg-BG" smtClean="0"/>
               <a:pPr/>
-              <a:t>27.2.2015 г.</a:t>
+              <a:t>1.3.2015 г.</a:t>
             </a:fld>
             <a:endParaRPr lang="bg-BG"/>
           </a:p>
@@ -1881,7 +1881,7 @@
             <a:fld id="{10074E5A-BD15-49EB-B4EE-E8467A1280FA}" type="datetimeFigureOut">
               <a:rPr lang="bg-BG" smtClean="0"/>
               <a:pPr/>
-              <a:t>27.2.2015 г.</a:t>
+              <a:t>1.3.2015 г.</a:t>
             </a:fld>
             <a:endParaRPr lang="bg-BG"/>
           </a:p>
@@ -1973,7 +1973,7 @@
             <a:fld id="{10074E5A-BD15-49EB-B4EE-E8467A1280FA}" type="datetimeFigureOut">
               <a:rPr lang="bg-BG" smtClean="0"/>
               <a:pPr/>
-              <a:t>27.2.2015 г.</a:t>
+              <a:t>1.3.2015 г.</a:t>
             </a:fld>
             <a:endParaRPr lang="bg-BG"/>
           </a:p>
@@ -2247,7 +2247,7 @@
             <a:fld id="{10074E5A-BD15-49EB-B4EE-E8467A1280FA}" type="datetimeFigureOut">
               <a:rPr lang="bg-BG" smtClean="0"/>
               <a:pPr/>
-              <a:t>27.2.2015 г.</a:t>
+              <a:t>1.3.2015 г.</a:t>
             </a:fld>
             <a:endParaRPr lang="bg-BG"/>
           </a:p>
@@ -2497,7 +2497,7 @@
             <a:fld id="{10074E5A-BD15-49EB-B4EE-E8467A1280FA}" type="datetimeFigureOut">
               <a:rPr lang="bg-BG" smtClean="0"/>
               <a:pPr/>
-              <a:t>27.2.2015 г.</a:t>
+              <a:t>1.3.2015 г.</a:t>
             </a:fld>
             <a:endParaRPr lang="bg-BG"/>
           </a:p>
@@ -2707,7 +2707,7 @@
             <a:fld id="{10074E5A-BD15-49EB-B4EE-E8467A1280FA}" type="datetimeFigureOut">
               <a:rPr lang="bg-BG" smtClean="0"/>
               <a:pPr/>
-              <a:t>27.2.2015 г.</a:t>
+              <a:t>1.3.2015 г.</a:t>
             </a:fld>
             <a:endParaRPr lang="bg-BG"/>
           </a:p>
@@ -4677,13 +4677,7 @@
               <a:rPr lang="en-US" sz="2400" dirty="0" smtClean="0">
                 <a:latin typeface="Berlin Sans FB Demi" pitchFamily="34" charset="0"/>
               </a:rPr>
-              <a:t>Three </a:t>
-            </a:r>
-            <a:r>
-              <a:rPr lang="en-US" sz="2400" dirty="0" smtClean="0">
-                <a:latin typeface="Berlin Sans FB Demi" pitchFamily="34" charset="0"/>
-              </a:rPr>
-              <a:t>mazes with different sizes and ASCII </a:t>
+              <a:t>Three mazes with different sizes and ASCII </a:t>
             </a:r>
             <a:r>
               <a:rPr lang="en-US" sz="2400" dirty="0">
@@ -4710,17 +4704,8 @@
               <a:rPr lang="en-US" sz="2400" dirty="0" smtClean="0">
                 <a:latin typeface="Berlin Sans FB Demi" pitchFamily="34" charset="0"/>
               </a:rPr>
-              <a:t>The nasty Trainers are changing direction every time they reach a </a:t>
-            </a:r>
-            <a:r>
-              <a:rPr lang="en-US" sz="2400" dirty="0" smtClean="0">
-                <a:latin typeface="Berlin Sans FB Demi" pitchFamily="34" charset="0"/>
-              </a:rPr>
-              <a:t>wall – collision detection</a:t>
-            </a:r>
-            <a:endParaRPr lang="en-US" sz="2400" dirty="0" smtClean="0">
-              <a:latin typeface="Berlin Sans FB Demi" pitchFamily="34" charset="0"/>
-            </a:endParaRPr>
+              <a:t>The nasty Trainers are changing direction every time they reach a wall – collision detection</a:t>
+            </a:r>
           </a:p>
           <a:p>
             <a:pPr lvl="1">
@@ -4743,25 +4728,7 @@
               <a:rPr lang="en-US" sz="2400" dirty="0" smtClean="0">
                 <a:latin typeface="Berlin Sans FB Demi" pitchFamily="34" charset="0"/>
               </a:rPr>
-              <a:t>Audio support for key events – Intro, End, Treasure </a:t>
-            </a:r>
-            <a:r>
-              <a:rPr lang="en-US" sz="2400" dirty="0" smtClean="0">
-                <a:latin typeface="Berlin Sans FB Demi" pitchFamily="34" charset="0"/>
-              </a:rPr>
-              <a:t>collection and for </a:t>
-            </a:r>
-            <a:r>
-              <a:rPr lang="en-US" sz="2400" dirty="0" smtClean="0">
-                <a:latin typeface="Berlin Sans FB Demi" pitchFamily="34" charset="0"/>
-              </a:rPr>
-              <a:t>… being </a:t>
-            </a:r>
-            <a:r>
-              <a:rPr lang="en-US" sz="2400" dirty="0" smtClean="0">
-                <a:latin typeface="Berlin Sans FB Demi" pitchFamily="34" charset="0"/>
-              </a:rPr>
-              <a:t>caught </a:t>
+              <a:t>Audio support for key events – Intro, End, Treasure collection and for … being caught </a:t>
             </a:r>
             <a:r>
               <a:rPr lang="en-US" sz="2400" dirty="0">
@@ -4773,7 +4740,7 @@
               <a:rPr lang="en-US" sz="2400" dirty="0" smtClean="0">
                 <a:latin typeface="Berlin Sans FB Demi" pitchFamily="34" charset="0"/>
               </a:rPr>
-              <a:t>Trainer</a:t>
+              <a:t>Trainer – ALL audio samples are custom-made</a:t>
             </a:r>
             <a:endParaRPr lang="bg-BG" sz="2400" dirty="0"/>
           </a:p>
